--- a/ppt/Regression.pptx
+++ b/ppt/Regression.pptx
@@ -18,18 +18,16 @@
     <p:sldId id="265" r:id="rId12"/>
     <p:sldId id="267" r:id="rId13"/>
     <p:sldId id="268" r:id="rId14"/>
-    <p:sldId id="269" r:id="rId15"/>
-    <p:sldId id="270" r:id="rId16"/>
-    <p:sldId id="271" r:id="rId17"/>
-    <p:sldId id="272" r:id="rId18"/>
-    <p:sldId id="273" r:id="rId19"/>
-    <p:sldId id="275" r:id="rId20"/>
-    <p:sldId id="276" r:id="rId21"/>
-    <p:sldId id="277" r:id="rId22"/>
-    <p:sldId id="278" r:id="rId23"/>
-    <p:sldId id="279" r:id="rId24"/>
-    <p:sldId id="282" r:id="rId25"/>
-    <p:sldId id="283" r:id="rId26"/>
+    <p:sldId id="270" r:id="rId15"/>
+    <p:sldId id="271" r:id="rId16"/>
+    <p:sldId id="272" r:id="rId17"/>
+    <p:sldId id="273" r:id="rId18"/>
+    <p:sldId id="276" r:id="rId19"/>
+    <p:sldId id="277" r:id="rId20"/>
+    <p:sldId id="278" r:id="rId21"/>
+    <p:sldId id="279" r:id="rId22"/>
+    <p:sldId id="282" r:id="rId23"/>
+    <p:sldId id="283" r:id="rId24"/>
   </p:sldIdLst>
   <p:sldSz cx="12192000" cy="6858000"/>
   <p:notesSz cx="6858000" cy="9144000"/>
@@ -4535,145 +4533,6 @@
           <a:lstStyle/>
           <a:p>
             <a:pPr lvl="1"/>
-            <a:r>
-              <a:rPr lang="en-US" altLang="ko-KR" sz="2200" dirty="0" smtClean="0"/>
-              <a:t>Classification problems </a:t>
-            </a:r>
-            <a:r>
-              <a:rPr lang="ko-KR" altLang="en-US" sz="2200" dirty="0" smtClean="0"/>
-              <a:t>을 해결하기 위해 사용됨</a:t>
-            </a:r>
-            <a:r>
-              <a:rPr lang="en-US" altLang="ko-KR" sz="2200" dirty="0" smtClean="0"/>
-              <a:t>.</a:t>
-            </a:r>
-          </a:p>
-          <a:p>
-            <a:endParaRPr lang="en-US" altLang="ko-KR" sz="2400" dirty="0"/>
-          </a:p>
-          <a:p>
-            <a:pPr lvl="1"/>
-            <a:r>
-              <a:rPr lang="en-US" altLang="ko-KR" sz="2200" dirty="0" smtClean="0"/>
-              <a:t>Regression</a:t>
-            </a:r>
-            <a:r>
-              <a:rPr lang="ko-KR" altLang="en-US" sz="2200" dirty="0" smtClean="0"/>
-              <a:t>이름이 붙여진 이유는 내부적으로는 </a:t>
-            </a:r>
-            <a:r>
-              <a:rPr lang="en-US" altLang="ko-KR" sz="2200" dirty="0"/>
-              <a:t> </a:t>
-            </a:r>
-            <a:r>
-              <a:rPr lang="en-US" altLang="ko-KR" sz="2200" dirty="0" smtClean="0"/>
-              <a:t>Regression</a:t>
-            </a:r>
-            <a:r>
-              <a:rPr lang="ko-KR" altLang="en-US" sz="2200" dirty="0" smtClean="0"/>
-              <a:t>이 사용되기 때문이다</a:t>
-            </a:r>
-            <a:r>
-              <a:rPr lang="en-US" altLang="ko-KR" sz="2200" dirty="0" smtClean="0"/>
-              <a:t>.</a:t>
-            </a:r>
-            <a:endParaRPr lang="en-US" altLang="ko-KR" sz="2400" dirty="0" smtClean="0"/>
-          </a:p>
-        </p:txBody>
-      </p:sp>
-    </p:spTree>
-    <p:extLst>
-      <p:ext uri="{BB962C8B-B14F-4D97-AF65-F5344CB8AC3E}">
-        <p14:creationId xmlns:p14="http://schemas.microsoft.com/office/powerpoint/2010/main" val="3420877974"/>
-      </p:ext>
-    </p:extLst>
-  </p:cSld>
-  <p:clrMapOvr>
-    <a:masterClrMapping/>
-  </p:clrMapOvr>
-  <p:timing>
-    <p:tnLst>
-      <p:par>
-        <p:cTn id="1" dur="indefinite" restart="never" nodeType="tmRoot"/>
-      </p:par>
-    </p:tnLst>
-  </p:timing>
-</p:sld>
-</file>
-
-<file path=ppt/slides/slide15.xml><?xml version="1.0" encoding="utf-8"?>
-<p:sld xmlns:a="http://schemas.openxmlformats.org/drawingml/2006/main" xmlns:r="http://schemas.openxmlformats.org/officeDocument/2006/relationships" xmlns:p="http://schemas.openxmlformats.org/presentationml/2006/main">
-  <p:cSld>
-    <p:spTree>
-      <p:nvGrpSpPr>
-        <p:cNvPr id="1" name=""/>
-        <p:cNvGrpSpPr/>
-        <p:nvPr/>
-      </p:nvGrpSpPr>
-      <p:grpSpPr>
-        <a:xfrm>
-          <a:off x="0" y="0"/>
-          <a:ext cx="0" cy="0"/>
-          <a:chOff x="0" y="0"/>
-          <a:chExt cx="0" cy="0"/>
-        </a:xfrm>
-      </p:grpSpPr>
-      <p:sp>
-        <p:nvSpPr>
-          <p:cNvPr id="2" name="제목 1"/>
-          <p:cNvSpPr>
-            <a:spLocks noGrp="1"/>
-          </p:cNvSpPr>
-          <p:nvPr>
-            <p:ph type="title"/>
-          </p:nvPr>
-        </p:nvSpPr>
-        <p:spPr/>
-        <p:txBody>
-          <a:bodyPr/>
-          <a:lstStyle/>
-          <a:p>
-            <a:pPr lvl="1" algn="l" rtl="0" latinLnBrk="1">
-              <a:lnSpc>
-                <a:spcPct val="85000"/>
-              </a:lnSpc>
-              <a:spcBef>
-                <a:spcPct val="0"/>
-              </a:spcBef>
-            </a:pPr>
-            <a:r>
-              <a:rPr lang="en-US" altLang="ko-KR" sz="3600" b="1" dirty="0" smtClean="0"/>
-              <a:t>Logistic Regression</a:t>
-            </a:r>
-            <a:r>
-              <a:rPr lang="en-US" altLang="ko-KR" sz="3400" b="1" dirty="0" smtClean="0"/>
-              <a:t/>
-            </a:r>
-            <a:br>
-              <a:rPr lang="en-US" altLang="ko-KR" sz="3400" b="1" dirty="0" smtClean="0"/>
-            </a:br>
-            <a:endParaRPr lang="ko-KR" altLang="en-US" b="1" dirty="0"/>
-          </a:p>
-        </p:txBody>
-      </p:sp>
-      <p:sp>
-        <p:nvSpPr>
-          <p:cNvPr id="9" name="내용 개체 틀 8"/>
-          <p:cNvSpPr>
-            <a:spLocks noGrp="1"/>
-          </p:cNvSpPr>
-          <p:nvPr>
-            <p:ph idx="1"/>
-          </p:nvPr>
-        </p:nvSpPr>
-        <p:spPr/>
-        <p:txBody>
-          <a:bodyPr>
-            <a:normAutofit/>
-          </a:bodyPr>
-          <a:lstStyle/>
-          <a:p>
-            <a:pPr lvl="1"/>
             <a:endParaRPr lang="en-US" altLang="ko-KR" sz="2200" dirty="0" smtClean="0"/>
           </a:p>
           <a:p>
@@ -4744,7 +4603,7 @@
 </p:sld>
 </file>
 
-<file path=ppt/slides/slide16.xml><?xml version="1.0" encoding="utf-8"?>
+<file path=ppt/slides/slide15.xml><?xml version="1.0" encoding="utf-8"?>
 <p:sld xmlns:a="http://schemas.openxmlformats.org/drawingml/2006/main" xmlns:r="http://schemas.openxmlformats.org/officeDocument/2006/relationships" xmlns:p="http://schemas.openxmlformats.org/presentationml/2006/main">
   <p:cSld>
     <p:spTree>
@@ -4875,7 +4734,7 @@
 </p:sld>
 </file>
 
-<file path=ppt/slides/slide17.xml><?xml version="1.0" encoding="utf-8"?>
+<file path=ppt/slides/slide16.xml><?xml version="1.0" encoding="utf-8"?>
 <p:sld xmlns:a="http://schemas.openxmlformats.org/drawingml/2006/main" xmlns:r="http://schemas.openxmlformats.org/officeDocument/2006/relationships" xmlns:p="http://schemas.openxmlformats.org/presentationml/2006/main">
   <p:cSld>
     <p:spTree>
@@ -5006,7 +4865,7 @@
 </p:sld>
 </file>
 
-<file path=ppt/slides/slide18.xml><?xml version="1.0" encoding="utf-8"?>
+<file path=ppt/slides/slide17.xml><?xml version="1.0" encoding="utf-8"?>
 <p:sld xmlns:a="http://schemas.openxmlformats.org/drawingml/2006/main" xmlns:r="http://schemas.openxmlformats.org/officeDocument/2006/relationships" xmlns:p="http://schemas.openxmlformats.org/presentationml/2006/main">
   <p:cSld>
     <p:spTree>
@@ -5137,7 +4996,7 @@
 </p:sld>
 </file>
 
-<file path=ppt/slides/slide19.xml><?xml version="1.0" encoding="utf-8"?>
+<file path=ppt/slides/slide18.xml><?xml version="1.0" encoding="utf-8"?>
 <p:sld xmlns:a="http://schemas.openxmlformats.org/drawingml/2006/main" xmlns:r="http://schemas.openxmlformats.org/officeDocument/2006/relationships" xmlns:p="http://schemas.openxmlformats.org/presentationml/2006/main">
   <p:cSld>
     <p:spTree>
@@ -5279,8 +5138,8 @@
           </a:fontRef>
         </p:style>
       </p:cxnSp>
-      <mc:AlternateContent xmlns:mc="http://schemas.openxmlformats.org/markup-compatibility/2006">
-        <mc:Choice xmlns:a14="http://schemas.microsoft.com/office/drawing/2010/main" Requires="a14">
+      <mc:AlternateContent xmlns:mc="http://schemas.openxmlformats.org/markup-compatibility/2006" xmlns:a14="http://schemas.microsoft.com/office/drawing/2010/main">
+        <mc:Choice Requires="a14">
           <p:sp>
             <p:nvSpPr>
               <p:cNvPr id="22" name="직사각형 21"/>
@@ -5302,6 +5161,7 @@
               </a:bodyPr>
               <a:lstStyle/>
               <a:p>
+                <a:pPr/>
                 <a14:m>
                   <m:oMathPara xmlns:m="http://schemas.openxmlformats.org/officeDocument/2006/math">
                     <m:oMathParaPr>
@@ -5363,388 +5223,7 @@
             </p:txBody>
           </p:sp>
         </mc:Choice>
-        <mc:Fallback>
-          <p:sp>
-            <p:nvSpPr>
-              <p:cNvPr id="22" name="직사각형 21"/>
-              <p:cNvSpPr>
-                <a:spLocks noRot="1" noChangeAspect="1" noMove="1" noResize="1" noEditPoints="1" noAdjustHandles="1" noChangeArrowheads="1" noChangeShapeType="1" noTextEdit="1"/>
-              </p:cNvSpPr>
-              <p:nvPr/>
-            </p:nvSpPr>
-            <p:spPr>
-              <a:xfrm>
-                <a:off x="9428813" y="2038662"/>
-                <a:ext cx="1791837" cy="369332"/>
-              </a:xfrm>
-              <a:prstGeom prst="rect">
-                <a:avLst/>
-              </a:prstGeom>
-              <a:blipFill rotWithShape="0">
-                <a:blip r:embed="rId3"/>
-                <a:stretch>
-                  <a:fillRect/>
-                </a:stretch>
-              </a:blipFill>
-            </p:spPr>
-            <p:txBody>
-              <a:bodyPr/>
-              <a:lstStyle/>
-              <a:p>
-                <a:r>
-                  <a:rPr lang="ko-KR" altLang="en-US">
-                    <a:noFill/>
-                  </a:rPr>
-                  <a:t> </a:t>
-                </a:r>
-              </a:p>
-            </p:txBody>
-          </p:sp>
-        </mc:Fallback>
-      </mc:AlternateContent>
-    </p:spTree>
-    <p:extLst>
-      <p:ext uri="{BB962C8B-B14F-4D97-AF65-F5344CB8AC3E}">
-        <p14:creationId xmlns:p14="http://schemas.microsoft.com/office/powerpoint/2010/main" val="3491687459"/>
-      </p:ext>
-    </p:extLst>
-  </p:cSld>
-  <p:clrMapOvr>
-    <a:masterClrMapping/>
-  </p:clrMapOvr>
-  <p:timing>
-    <p:tnLst>
-      <p:par>
-        <p:cTn id="1" dur="indefinite" restart="never" nodeType="tmRoot"/>
-      </p:par>
-    </p:tnLst>
-  </p:timing>
-</p:sld>
-</file>
-
-<file path=ppt/slides/slide2.xml><?xml version="1.0" encoding="utf-8"?>
-<p:sld xmlns:a="http://schemas.openxmlformats.org/drawingml/2006/main" xmlns:r="http://schemas.openxmlformats.org/officeDocument/2006/relationships" xmlns:p="http://schemas.openxmlformats.org/presentationml/2006/main">
-  <p:cSld>
-    <p:spTree>
-      <p:nvGrpSpPr>
-        <p:cNvPr id="1" name=""/>
-        <p:cNvGrpSpPr/>
-        <p:nvPr/>
-      </p:nvGrpSpPr>
-      <p:grpSpPr>
-        <a:xfrm>
-          <a:off x="0" y="0"/>
-          <a:ext cx="0" cy="0"/>
-          <a:chOff x="0" y="0"/>
-          <a:chExt cx="0" cy="0"/>
-        </a:xfrm>
-      </p:grpSpPr>
-      <p:sp>
-        <p:nvSpPr>
-          <p:cNvPr id="2" name="제목 1"/>
-          <p:cNvSpPr>
-            <a:spLocks noGrp="1"/>
-          </p:cNvSpPr>
-          <p:nvPr>
-            <p:ph type="title"/>
-          </p:nvPr>
-        </p:nvSpPr>
-        <p:spPr/>
-        <p:txBody>
-          <a:bodyPr/>
-          <a:lstStyle/>
-          <a:p>
-            <a:r>
-              <a:rPr lang="ko-KR" altLang="en-US" dirty="0" smtClean="0"/>
-              <a:t>목차</a:t>
-            </a:r>
-            <a:endParaRPr lang="ko-KR" altLang="en-US" dirty="0"/>
-          </a:p>
-        </p:txBody>
-      </p:sp>
-      <p:sp>
-        <p:nvSpPr>
-          <p:cNvPr id="3" name="내용 개체 틀 2"/>
-          <p:cNvSpPr>
-            <a:spLocks noGrp="1"/>
-          </p:cNvSpPr>
-          <p:nvPr>
-            <p:ph idx="1"/>
-          </p:nvPr>
-        </p:nvSpPr>
-        <p:spPr/>
-        <p:txBody>
-          <a:bodyPr>
-            <a:normAutofit/>
-          </a:bodyPr>
-          <a:lstStyle/>
-          <a:p>
-            <a:pPr lvl="1"/>
-            <a:r>
-              <a:rPr lang="en-US" altLang="ko-KR" sz="3200" b="1" dirty="0" smtClean="0"/>
-              <a:t>Linear Regression</a:t>
-            </a:r>
-          </a:p>
-          <a:p>
-            <a:endParaRPr lang="en-US" altLang="ko-KR" sz="3200" b="1" dirty="0" smtClean="0"/>
-          </a:p>
-          <a:p>
-            <a:pPr lvl="1"/>
-            <a:r>
-              <a:rPr lang="en-US" altLang="ko-KR" sz="3200" b="1" dirty="0" smtClean="0"/>
-              <a:t>Logistic Regression </a:t>
-            </a:r>
-            <a:endParaRPr lang="en-US" altLang="ko-KR" sz="3200" b="1" dirty="0"/>
-          </a:p>
-        </p:txBody>
-      </p:sp>
-    </p:spTree>
-    <p:extLst>
-      <p:ext uri="{BB962C8B-B14F-4D97-AF65-F5344CB8AC3E}">
-        <p14:creationId xmlns:p14="http://schemas.microsoft.com/office/powerpoint/2010/main" val="648263125"/>
-      </p:ext>
-    </p:extLst>
-  </p:cSld>
-  <p:clrMapOvr>
-    <a:masterClrMapping/>
-  </p:clrMapOvr>
-  <p:timing>
-    <p:tnLst>
-      <p:par>
-        <p:cTn id="1" dur="indefinite" restart="never" nodeType="tmRoot"/>
-      </p:par>
-    </p:tnLst>
-  </p:timing>
-</p:sld>
-</file>
-
-<file path=ppt/slides/slide20.xml><?xml version="1.0" encoding="utf-8"?>
-<p:sld xmlns:a="http://schemas.openxmlformats.org/drawingml/2006/main" xmlns:r="http://schemas.openxmlformats.org/officeDocument/2006/relationships" xmlns:p="http://schemas.openxmlformats.org/presentationml/2006/main">
-  <p:cSld>
-    <p:spTree>
-      <p:nvGrpSpPr>
-        <p:cNvPr id="1" name=""/>
-        <p:cNvGrpSpPr/>
-        <p:nvPr/>
-      </p:nvGrpSpPr>
-      <p:grpSpPr>
-        <a:xfrm>
-          <a:off x="0" y="0"/>
-          <a:ext cx="0" cy="0"/>
-          <a:chOff x="0" y="0"/>
-          <a:chExt cx="0" cy="0"/>
-        </a:xfrm>
-      </p:grpSpPr>
-      <p:sp>
-        <p:nvSpPr>
-          <p:cNvPr id="2" name="제목 1"/>
-          <p:cNvSpPr>
-            <a:spLocks noGrp="1"/>
-          </p:cNvSpPr>
-          <p:nvPr>
-            <p:ph type="title"/>
-          </p:nvPr>
-        </p:nvSpPr>
-        <p:spPr/>
-        <p:txBody>
-          <a:bodyPr/>
-          <a:lstStyle/>
-          <a:p>
-            <a:pPr lvl="1" algn="l" rtl="0" latinLnBrk="1">
-              <a:lnSpc>
-                <a:spcPct val="85000"/>
-              </a:lnSpc>
-              <a:spcBef>
-                <a:spcPct val="0"/>
-              </a:spcBef>
-            </a:pPr>
-            <a:r>
-              <a:rPr lang="en-US" altLang="ko-KR" sz="3600" b="1" dirty="0" smtClean="0"/>
-              <a:t>Logistic Regression</a:t>
-            </a:r>
-            <a:r>
-              <a:rPr lang="en-US" altLang="ko-KR" sz="3400" b="1" dirty="0" smtClean="0"/>
-              <a:t/>
-            </a:r>
-            <a:br>
-              <a:rPr lang="en-US" altLang="ko-KR" sz="3400" b="1" dirty="0" smtClean="0"/>
-            </a:br>
-            <a:endParaRPr lang="ko-KR" altLang="en-US" b="1" dirty="0"/>
-          </a:p>
-        </p:txBody>
-      </p:sp>
-      <p:sp>
-        <p:nvSpPr>
-          <p:cNvPr id="9" name="내용 개체 틀 8"/>
-          <p:cNvSpPr>
-            <a:spLocks noGrp="1"/>
-          </p:cNvSpPr>
-          <p:nvPr>
-            <p:ph idx="1"/>
-          </p:nvPr>
-        </p:nvSpPr>
-        <p:spPr/>
-        <p:txBody>
-          <a:bodyPr>
-            <a:normAutofit/>
-          </a:bodyPr>
-          <a:lstStyle/>
-          <a:p>
-            <a:pPr marL="201168" lvl="1" indent="0">
-              <a:buNone/>
-            </a:pPr>
-            <a:endParaRPr lang="en-US" altLang="ko-KR" sz="2200" dirty="0" smtClean="0"/>
-          </a:p>
-          <a:p>
-            <a:pPr lvl="1"/>
-            <a:endParaRPr lang="en-US" altLang="ko-KR" sz="2200" dirty="0"/>
-          </a:p>
-          <a:p>
-            <a:pPr lvl="1"/>
-            <a:endParaRPr lang="en-US" altLang="ko-KR" sz="2400" dirty="0" smtClean="0"/>
-          </a:p>
-        </p:txBody>
-      </p:sp>
-      <p:pic>
-        <p:nvPicPr>
-          <p:cNvPr id="3" name="그림 2"/>
-          <p:cNvPicPr>
-            <a:picLocks noChangeAspect="1"/>
-          </p:cNvPicPr>
-          <p:nvPr/>
-        </p:nvPicPr>
-        <p:blipFill>
-          <a:blip r:embed="rId2"/>
-          <a:stretch>
-            <a:fillRect/>
-          </a:stretch>
-        </p:blipFill>
-        <p:spPr>
-          <a:xfrm>
-            <a:off x="3083242" y="1906694"/>
-            <a:ext cx="6086475" cy="3962400"/>
-          </a:xfrm>
-          <a:prstGeom prst="rect">
-            <a:avLst/>
-          </a:prstGeom>
-        </p:spPr>
-      </p:pic>
-      <p:cxnSp>
-        <p:nvCxnSpPr>
-          <p:cNvPr id="7" name="직선 연결선 6"/>
-          <p:cNvCxnSpPr/>
-          <p:nvPr/>
-        </p:nvCxnSpPr>
-        <p:spPr>
-          <a:xfrm flipV="1">
-            <a:off x="4242216" y="1737360"/>
-            <a:ext cx="4572000" cy="4318666"/>
-          </a:xfrm>
-          <a:prstGeom prst="line">
-            <a:avLst/>
-          </a:prstGeom>
-          <a:ln w="57150"/>
-        </p:spPr>
-        <p:style>
-          <a:lnRef idx="1">
-            <a:schemeClr val="accent1"/>
-          </a:lnRef>
-          <a:fillRef idx="0">
-            <a:schemeClr val="accent1"/>
-          </a:fillRef>
-          <a:effectRef idx="0">
-            <a:schemeClr val="accent1"/>
-          </a:effectRef>
-          <a:fontRef idx="minor">
-            <a:schemeClr val="tx1"/>
-          </a:fontRef>
-        </p:style>
-      </p:cxnSp>
-      <mc:AlternateContent xmlns:mc="http://schemas.openxmlformats.org/markup-compatibility/2006">
-        <mc:Choice xmlns:a14="http://schemas.microsoft.com/office/drawing/2010/main" Requires="a14">
-          <p:sp>
-            <p:nvSpPr>
-              <p:cNvPr id="22" name="직사각형 21"/>
-              <p:cNvSpPr/>
-              <p:nvPr/>
-            </p:nvSpPr>
-            <p:spPr>
-              <a:xfrm>
-                <a:off x="9428813" y="2038662"/>
-                <a:ext cx="1791837" cy="369332"/>
-              </a:xfrm>
-              <a:prstGeom prst="rect">
-                <a:avLst/>
-              </a:prstGeom>
-            </p:spPr>
-            <p:txBody>
-              <a:bodyPr wrap="none">
-                <a:spAutoFit/>
-              </a:bodyPr>
-              <a:lstStyle/>
-              <a:p>
-                <a14:m>
-                  <m:oMathPara xmlns:m="http://schemas.openxmlformats.org/officeDocument/2006/math">
-                    <m:oMathParaPr>
-                      <m:jc m:val="centerGroup"/>
-                    </m:oMathParaPr>
-                    <m:oMath xmlns:m="http://schemas.openxmlformats.org/officeDocument/2006/math">
-                      <m:r>
-                        <a:rPr lang="en-US" altLang="ko-KR" i="1" smtClean="0">
-                          <a:latin typeface="Cambria Math" panose="02040503050406030204" pitchFamily="18" charset="0"/>
-                        </a:rPr>
-                        <m:t>𝐻</m:t>
-                      </m:r>
-                      <m:d>
-                        <m:dPr>
-                          <m:ctrlPr>
-                            <a:rPr lang="en-US" altLang="ko-KR" i="1">
-                              <a:latin typeface="Cambria Math" panose="02040503050406030204" pitchFamily="18" charset="0"/>
-                            </a:rPr>
-                          </m:ctrlPr>
-                        </m:dPr>
-                        <m:e>
-                          <m:r>
-                            <a:rPr lang="en-US" altLang="ko-KR" i="1">
-                              <a:latin typeface="Cambria Math" panose="02040503050406030204" pitchFamily="18" charset="0"/>
-                            </a:rPr>
-                            <m:t>𝑥</m:t>
-                          </m:r>
-                        </m:e>
-                      </m:d>
-                      <m:r>
-                        <a:rPr lang="en-US" altLang="ko-KR" i="1">
-                          <a:latin typeface="Cambria Math" panose="02040503050406030204" pitchFamily="18" charset="0"/>
-                        </a:rPr>
-                        <m:t>=</m:t>
-                      </m:r>
-                      <m:r>
-                        <a:rPr lang="en-US" altLang="ko-KR" i="1">
-                          <a:latin typeface="Cambria Math" panose="02040503050406030204" pitchFamily="18" charset="0"/>
-                        </a:rPr>
-                        <m:t>𝑊𝑥</m:t>
-                      </m:r>
-                      <m:r>
-                        <a:rPr lang="en-US" altLang="ko-KR" b="0" i="1" smtClean="0">
-                          <a:latin typeface="Cambria Math" panose="02040503050406030204" pitchFamily="18" charset="0"/>
-                        </a:rPr>
-                        <m:t>+</m:t>
-                      </m:r>
-                      <m:r>
-                        <a:rPr lang="en-US" altLang="ko-KR" b="0" i="1" smtClean="0">
-                          <a:latin typeface="Cambria Math" panose="02040503050406030204" pitchFamily="18" charset="0"/>
-                        </a:rPr>
-                        <m:t>𝑏</m:t>
-                      </m:r>
-                    </m:oMath>
-                  </m:oMathPara>
-                </a14:m>
-                <a:endParaRPr lang="ko-KR" altLang="en-US" dirty="0"/>
-              </a:p>
-            </p:txBody>
-          </p:sp>
-        </mc:Choice>
-        <mc:Fallback>
+        <mc:Fallback xmlns="">
           <p:sp>
             <p:nvSpPr>
               <p:cNvPr id="22" name="직사각형 21"/>
@@ -5803,7 +5282,7 @@
 </p:sld>
 </file>
 
-<file path=ppt/slides/slide21.xml><?xml version="1.0" encoding="utf-8"?>
+<file path=ppt/slides/slide19.xml><?xml version="1.0" encoding="utf-8"?>
 <p:sld xmlns:a="http://schemas.openxmlformats.org/drawingml/2006/main" xmlns:r="http://schemas.openxmlformats.org/officeDocument/2006/relationships" xmlns:p="http://schemas.openxmlformats.org/presentationml/2006/main">
   <p:cSld>
     <p:spTree>
@@ -5858,8 +5337,8 @@
           </a:p>
         </p:txBody>
       </p:sp>
-      <mc:AlternateContent xmlns:mc="http://schemas.openxmlformats.org/markup-compatibility/2006">
-        <mc:Choice xmlns:a14="http://schemas.microsoft.com/office/drawing/2010/main" Requires="a14">
+      <mc:AlternateContent xmlns:mc="http://schemas.openxmlformats.org/markup-compatibility/2006" xmlns:a14="http://schemas.microsoft.com/office/drawing/2010/main">
+        <mc:Choice Requires="a14">
           <p:sp>
             <p:nvSpPr>
               <p:cNvPr id="9" name="내용 개체 틀 8"/>
@@ -5965,7 +5444,7 @@
             </p:txBody>
           </p:sp>
         </mc:Choice>
-        <mc:Fallback>
+        <mc:Fallback xmlns="">
           <p:sp>
             <p:nvSpPr>
               <p:cNvPr id="9" name="내용 개체 틀 8"/>
@@ -6019,7 +5498,103 @@
 </p:sld>
 </file>
 
-<file path=ppt/slides/slide22.xml><?xml version="1.0" encoding="utf-8"?>
+<file path=ppt/slides/slide2.xml><?xml version="1.0" encoding="utf-8"?>
+<p:sld xmlns:a="http://schemas.openxmlformats.org/drawingml/2006/main" xmlns:r="http://schemas.openxmlformats.org/officeDocument/2006/relationships" xmlns:p="http://schemas.openxmlformats.org/presentationml/2006/main">
+  <p:cSld>
+    <p:spTree>
+      <p:nvGrpSpPr>
+        <p:cNvPr id="1" name=""/>
+        <p:cNvGrpSpPr/>
+        <p:nvPr/>
+      </p:nvGrpSpPr>
+      <p:grpSpPr>
+        <a:xfrm>
+          <a:off x="0" y="0"/>
+          <a:ext cx="0" cy="0"/>
+          <a:chOff x="0" y="0"/>
+          <a:chExt cx="0" cy="0"/>
+        </a:xfrm>
+      </p:grpSpPr>
+      <p:sp>
+        <p:nvSpPr>
+          <p:cNvPr id="2" name="제목 1"/>
+          <p:cNvSpPr>
+            <a:spLocks noGrp="1"/>
+          </p:cNvSpPr>
+          <p:nvPr>
+            <p:ph type="title"/>
+          </p:nvPr>
+        </p:nvSpPr>
+        <p:spPr/>
+        <p:txBody>
+          <a:bodyPr/>
+          <a:lstStyle/>
+          <a:p>
+            <a:r>
+              <a:rPr lang="ko-KR" altLang="en-US" dirty="0" smtClean="0"/>
+              <a:t>목차</a:t>
+            </a:r>
+            <a:endParaRPr lang="ko-KR" altLang="en-US" dirty="0"/>
+          </a:p>
+        </p:txBody>
+      </p:sp>
+      <p:sp>
+        <p:nvSpPr>
+          <p:cNvPr id="3" name="내용 개체 틀 2"/>
+          <p:cNvSpPr>
+            <a:spLocks noGrp="1"/>
+          </p:cNvSpPr>
+          <p:nvPr>
+            <p:ph idx="1"/>
+          </p:nvPr>
+        </p:nvSpPr>
+        <p:spPr/>
+        <p:txBody>
+          <a:bodyPr>
+            <a:normAutofit/>
+          </a:bodyPr>
+          <a:lstStyle/>
+          <a:p>
+            <a:pPr lvl="1"/>
+            <a:r>
+              <a:rPr lang="en-US" altLang="ko-KR" sz="3200" b="1" dirty="0" smtClean="0"/>
+              <a:t>Linear Regression</a:t>
+            </a:r>
+          </a:p>
+          <a:p>
+            <a:endParaRPr lang="en-US" altLang="ko-KR" sz="3200" b="1" dirty="0" smtClean="0"/>
+          </a:p>
+          <a:p>
+            <a:pPr lvl="1"/>
+            <a:r>
+              <a:rPr lang="en-US" altLang="ko-KR" sz="3200" b="1" dirty="0" smtClean="0"/>
+              <a:t>Logistic Regression </a:t>
+            </a:r>
+            <a:endParaRPr lang="en-US" altLang="ko-KR" sz="3200" b="1" dirty="0"/>
+          </a:p>
+        </p:txBody>
+      </p:sp>
+    </p:spTree>
+    <p:extLst>
+      <p:ext uri="{BB962C8B-B14F-4D97-AF65-F5344CB8AC3E}">
+        <p14:creationId xmlns:p14="http://schemas.microsoft.com/office/powerpoint/2010/main" val="648263125"/>
+      </p:ext>
+    </p:extLst>
+  </p:cSld>
+  <p:clrMapOvr>
+    <a:masterClrMapping/>
+  </p:clrMapOvr>
+  <p:timing>
+    <p:tnLst>
+      <p:par>
+        <p:cTn id="1" dur="indefinite" restart="never" nodeType="tmRoot"/>
+      </p:par>
+    </p:tnLst>
+  </p:timing>
+</p:sld>
+</file>
+
+<file path=ppt/slides/slide20.xml><?xml version="1.0" encoding="utf-8"?>
 <p:sld xmlns:a="http://schemas.openxmlformats.org/drawingml/2006/main" xmlns:r="http://schemas.openxmlformats.org/officeDocument/2006/relationships" xmlns:p="http://schemas.openxmlformats.org/presentationml/2006/main">
   <p:cSld>
     <p:spTree>
@@ -6154,7 +5729,7 @@
 </p:sld>
 </file>
 
-<file path=ppt/slides/slide23.xml><?xml version="1.0" encoding="utf-8"?>
+<file path=ppt/slides/slide21.xml><?xml version="1.0" encoding="utf-8"?>
 <p:sld xmlns:a="http://schemas.openxmlformats.org/drawingml/2006/main" xmlns:r="http://schemas.openxmlformats.org/officeDocument/2006/relationships" xmlns:p="http://schemas.openxmlformats.org/presentationml/2006/main">
   <p:cSld>
     <p:spTree>
@@ -6249,8 +5824,8 @@
           </a:p>
         </p:txBody>
       </p:sp>
-      <mc:AlternateContent xmlns:mc="http://schemas.openxmlformats.org/markup-compatibility/2006">
-        <mc:Choice xmlns:a14="http://schemas.microsoft.com/office/drawing/2010/main" Requires="a14">
+      <mc:AlternateContent xmlns:mc="http://schemas.openxmlformats.org/markup-compatibility/2006" xmlns:a14="http://schemas.microsoft.com/office/drawing/2010/main">
+        <mc:Choice Requires="a14">
           <p:sp>
             <p:nvSpPr>
               <p:cNvPr id="7" name="TextBox 6"/>
@@ -6273,6 +5848,7 @@
               </a:bodyPr>
               <a:lstStyle/>
               <a:p>
+                <a:pPr/>
                 <a14:m>
                   <m:oMathPara xmlns:m="http://schemas.openxmlformats.org/officeDocument/2006/math">
                     <m:oMathParaPr>
@@ -6431,7 +6007,7 @@
             </p:txBody>
           </p:sp>
         </mc:Choice>
-        <mc:Fallback>
+        <mc:Fallback xmlns="">
           <p:sp>
             <p:nvSpPr>
               <p:cNvPr id="7" name="TextBox 6"/>
@@ -6470,8 +6046,8 @@
           </p:sp>
         </mc:Fallback>
       </mc:AlternateContent>
-      <mc:AlternateContent xmlns:mc="http://schemas.openxmlformats.org/markup-compatibility/2006">
-        <mc:Choice xmlns:a14="http://schemas.microsoft.com/office/drawing/2010/main" Requires="a14">
+      <mc:AlternateContent xmlns:mc="http://schemas.openxmlformats.org/markup-compatibility/2006" xmlns:a14="http://schemas.microsoft.com/office/drawing/2010/main">
+        <mc:Choice Requires="a14">
           <p:sp>
             <p:nvSpPr>
               <p:cNvPr id="10" name="TextBox 9"/>
@@ -6494,6 +6070,7 @@
               </a:bodyPr>
               <a:lstStyle/>
               <a:p>
+                <a:pPr/>
                 <a14:m>
                   <m:oMathPara xmlns:m="http://schemas.openxmlformats.org/officeDocument/2006/math">
                     <m:oMathParaPr>
@@ -6761,7 +6338,7 @@
             </p:txBody>
           </p:sp>
         </mc:Choice>
-        <mc:Fallback>
+        <mc:Fallback xmlns="">
           <p:sp>
             <p:nvSpPr>
               <p:cNvPr id="10" name="TextBox 9"/>
@@ -6844,7 +6421,7 @@
 </p:sld>
 </file>
 
-<file path=ppt/slides/slide24.xml><?xml version="1.0" encoding="utf-8"?>
+<file path=ppt/slides/slide22.xml><?xml version="1.0" encoding="utf-8"?>
 <p:sld xmlns:a="http://schemas.openxmlformats.org/drawingml/2006/main" xmlns:r="http://schemas.openxmlformats.org/officeDocument/2006/relationships" xmlns:p="http://schemas.openxmlformats.org/presentationml/2006/main">
   <p:cSld>
     <p:spTree>
@@ -6899,8 +6476,8 @@
           </a:p>
         </p:txBody>
       </p:sp>
-      <mc:AlternateContent xmlns:mc="http://schemas.openxmlformats.org/markup-compatibility/2006">
-        <mc:Choice xmlns:a14="http://schemas.microsoft.com/office/drawing/2010/main" Requires="a14">
+      <mc:AlternateContent xmlns:mc="http://schemas.openxmlformats.org/markup-compatibility/2006" xmlns:a14="http://schemas.microsoft.com/office/drawing/2010/main">
+        <mc:Choice Requires="a14">
           <p:sp>
             <p:nvSpPr>
               <p:cNvPr id="9" name="내용 개체 틀 8"/>
@@ -7054,11 +6631,7 @@
                 </a:pPr>
                 <a:r>
                   <a:rPr lang="en-US" altLang="ko-KR" sz="2400" dirty="0"/>
-                  <a:t> </a:t>
-                </a:r>
-                <a:r>
-                  <a:rPr lang="en-US" altLang="ko-KR" sz="2400" dirty="0"/>
-                  <a:t>                  H(x) = 0 </a:t>
+                  <a:t>                   H(x) = 0 </a:t>
                 </a:r>
                 <a:r>
                   <a:rPr lang="ko-KR" altLang="en-US" sz="2400" dirty="0"/>
@@ -7087,7 +6660,7 @@
             </p:txBody>
           </p:sp>
         </mc:Choice>
-        <mc:Fallback>
+        <mc:Fallback xmlns="">
           <p:sp>
             <p:nvSpPr>
               <p:cNvPr id="9" name="내용 개체 틀 8"/>
@@ -7189,7 +6762,7 @@
 </p:sld>
 </file>
 
-<file path=ppt/slides/slide25.xml><?xml version="1.0" encoding="utf-8"?>
+<file path=ppt/slides/slide23.xml><?xml version="1.0" encoding="utf-8"?>
 <p:sld xmlns:a="http://schemas.openxmlformats.org/drawingml/2006/main" xmlns:r="http://schemas.openxmlformats.org/officeDocument/2006/relationships" xmlns:p="http://schemas.openxmlformats.org/presentationml/2006/main">
   <p:cSld>
     <p:spTree>
@@ -7272,8 +6845,8 @@
           </a:p>
         </p:txBody>
       </p:sp>
-      <mc:AlternateContent xmlns:mc="http://schemas.openxmlformats.org/markup-compatibility/2006">
-        <mc:Choice xmlns:a14="http://schemas.microsoft.com/office/drawing/2010/main" Requires="a14">
+      <mc:AlternateContent xmlns:mc="http://schemas.openxmlformats.org/markup-compatibility/2006" xmlns:a14="http://schemas.microsoft.com/office/drawing/2010/main">
+        <mc:Choice Requires="a14">
           <p:sp>
             <p:nvSpPr>
               <p:cNvPr id="11" name="TextBox 10"/>
@@ -7296,6 +6869,7 @@
               </a:bodyPr>
               <a:lstStyle/>
               <a:p>
+                <a:pPr/>
                 <a14:m>
                   <m:oMathPara xmlns:m="http://schemas.openxmlformats.org/officeDocument/2006/math">
                     <m:oMathParaPr>
@@ -7563,7 +7137,7 @@
             </p:txBody>
           </p:sp>
         </mc:Choice>
-        <mc:Fallback>
+        <mc:Fallback xmlns="">
           <p:sp>
             <p:nvSpPr>
               <p:cNvPr id="11" name="TextBox 10"/>
@@ -7602,8 +7176,8 @@
           </p:sp>
         </mc:Fallback>
       </mc:AlternateContent>
-      <mc:AlternateContent xmlns:mc="http://schemas.openxmlformats.org/markup-compatibility/2006">
-        <mc:Choice xmlns:a14="http://schemas.microsoft.com/office/drawing/2010/main" Requires="a14">
+      <mc:AlternateContent xmlns:mc="http://schemas.openxmlformats.org/markup-compatibility/2006" xmlns:a14="http://schemas.microsoft.com/office/drawing/2010/main">
+        <mc:Choice Requires="a14">
           <p:sp>
             <p:nvSpPr>
               <p:cNvPr id="14" name="TextBox 13"/>
@@ -7631,6 +7205,7 @@
                 </a:endParaRPr>
               </a:p>
               <a:p>
+                <a:pPr/>
                 <a14:m>
                   <m:oMathPara xmlns:m="http://schemas.openxmlformats.org/officeDocument/2006/math">
                     <m:oMathParaPr>
@@ -7816,7 +7391,7 @@
             </p:txBody>
           </p:sp>
         </mc:Choice>
-        <mc:Fallback>
+        <mc:Fallback xmlns="">
           <p:sp>
             <p:nvSpPr>
               <p:cNvPr id="14" name="TextBox 13"/>
@@ -7855,8 +7430,8 @@
           </p:sp>
         </mc:Fallback>
       </mc:AlternateContent>
-      <mc:AlternateContent xmlns:mc="http://schemas.openxmlformats.org/markup-compatibility/2006">
-        <mc:Choice xmlns:a14="http://schemas.microsoft.com/office/drawing/2010/main" Requires="a14">
+      <mc:AlternateContent xmlns:mc="http://schemas.openxmlformats.org/markup-compatibility/2006" xmlns:a14="http://schemas.microsoft.com/office/drawing/2010/main">
+        <mc:Choice Requires="a14">
           <p:sp>
             <p:nvSpPr>
               <p:cNvPr id="15" name="TextBox 14"/>
@@ -7884,6 +7459,7 @@
                 </a:endParaRPr>
               </a:p>
               <a:p>
+                <a:pPr/>
                 <a14:m>
                   <m:oMathPara xmlns:m="http://schemas.openxmlformats.org/officeDocument/2006/math">
                     <m:oMathParaPr>
@@ -8000,7 +7576,7 @@
             </p:txBody>
           </p:sp>
         </mc:Choice>
-        <mc:Fallback>
+        <mc:Fallback xmlns="">
           <p:sp>
             <p:nvSpPr>
               <p:cNvPr id="15" name="TextBox 14"/>
@@ -8341,11 +7917,7 @@
           <a:p>
             <a:r>
               <a:rPr lang="en-US" altLang="ko-KR" dirty="0" smtClean="0"/>
-              <a:t>H = </a:t>
-            </a:r>
-            <a:r>
-              <a:rPr lang="en-US" altLang="ko-KR" dirty="0" smtClean="0"/>
-              <a:t>Hypothesis(</a:t>
+              <a:t>H = Hypothesis(</a:t>
             </a:r>
             <a:r>
               <a:rPr lang="ko-KR" altLang="en-US" dirty="0" smtClean="0"/>
@@ -8447,8 +8019,8 @@
           </a:p>
         </p:txBody>
       </p:sp>
-      <mc:AlternateContent xmlns:mc="http://schemas.openxmlformats.org/markup-compatibility/2006">
-        <mc:Choice xmlns:a14="http://schemas.microsoft.com/office/drawing/2010/main" Requires="a14">
+      <mc:AlternateContent xmlns:mc="http://schemas.openxmlformats.org/markup-compatibility/2006" xmlns:a14="http://schemas.microsoft.com/office/drawing/2010/main">
+        <mc:Choice Requires="a14">
           <p:sp>
             <p:nvSpPr>
               <p:cNvPr id="13" name="내용 개체 틀 12"/>
@@ -8497,7 +8069,6 @@
                   <a:rPr lang="en-US" altLang="ko-KR" dirty="0" smtClean="0"/>
                   <a:t> </a:t>
                 </a:r>
-                <a:endParaRPr lang="en-US" altLang="ko-KR" dirty="0" smtClean="0"/>
               </a:p>
               <a:p>
                 <a:pPr marL="0" indent="0">
@@ -8668,7 +8239,7 @@
             </p:txBody>
           </p:sp>
         </mc:Choice>
-        <mc:Fallback>
+        <mc:Fallback xmlns="">
           <p:sp>
             <p:nvSpPr>
               <p:cNvPr id="13" name="내용 개체 틀 12"/>

--- a/ppt/Regression.pptx
+++ b/ppt/Regression.pptx
@@ -360,7 +360,7 @@
           <a:p>
             <a:fld id="{D645E4BF-E721-4D11-9F73-F366910C3461}" type="datetimeFigureOut">
               <a:rPr lang="ko-KR" altLang="en-US" smtClean="0"/>
-              <a:t>2018-04-22</a:t>
+              <a:t>2018-04-23</a:t>
             </a:fld>
             <a:endParaRPr lang="ko-KR" altLang="en-US"/>
           </a:p>
@@ -568,7 +568,7 @@
           <a:p>
             <a:fld id="{D645E4BF-E721-4D11-9F73-F366910C3461}" type="datetimeFigureOut">
               <a:rPr lang="ko-KR" altLang="en-US" smtClean="0"/>
-              <a:t>2018-04-22</a:t>
+              <a:t>2018-04-23</a:t>
             </a:fld>
             <a:endParaRPr lang="ko-KR" altLang="en-US"/>
           </a:p>
@@ -824,7 +824,7 @@
           <a:p>
             <a:fld id="{D645E4BF-E721-4D11-9F73-F366910C3461}" type="datetimeFigureOut">
               <a:rPr lang="ko-KR" altLang="en-US" smtClean="0"/>
-              <a:t>2018-04-22</a:t>
+              <a:t>2018-04-23</a:t>
             </a:fld>
             <a:endParaRPr lang="ko-KR" altLang="en-US"/>
           </a:p>
@@ -998,7 +998,7 @@
           <a:p>
             <a:fld id="{D645E4BF-E721-4D11-9F73-F366910C3461}" type="datetimeFigureOut">
               <a:rPr lang="ko-KR" altLang="en-US" smtClean="0"/>
-              <a:t>2018-04-22</a:t>
+              <a:t>2018-04-23</a:t>
             </a:fld>
             <a:endParaRPr lang="ko-KR" altLang="en-US"/>
           </a:p>
@@ -1341,7 +1341,7 @@
           <a:p>
             <a:fld id="{D645E4BF-E721-4D11-9F73-F366910C3461}" type="datetimeFigureOut">
               <a:rPr lang="ko-KR" altLang="en-US" smtClean="0"/>
-              <a:t>2018-04-22</a:t>
+              <a:t>2018-04-23</a:t>
             </a:fld>
             <a:endParaRPr lang="ko-KR" altLang="en-US"/>
           </a:p>
@@ -1616,7 +1616,7 @@
           <a:p>
             <a:fld id="{D645E4BF-E721-4D11-9F73-F366910C3461}" type="datetimeFigureOut">
               <a:rPr lang="ko-KR" altLang="en-US" smtClean="0"/>
-              <a:t>2018-04-22</a:t>
+              <a:t>2018-04-23</a:t>
             </a:fld>
             <a:endParaRPr lang="ko-KR" altLang="en-US"/>
           </a:p>
@@ -1995,7 +1995,7 @@
           <a:p>
             <a:fld id="{D645E4BF-E721-4D11-9F73-F366910C3461}" type="datetimeFigureOut">
               <a:rPr lang="ko-KR" altLang="en-US" smtClean="0"/>
-              <a:t>2018-04-22</a:t>
+              <a:t>2018-04-23</a:t>
             </a:fld>
             <a:endParaRPr lang="ko-KR" altLang="en-US"/>
           </a:p>
@@ -2113,7 +2113,7 @@
           <a:p>
             <a:fld id="{D645E4BF-E721-4D11-9F73-F366910C3461}" type="datetimeFigureOut">
               <a:rPr lang="ko-KR" altLang="en-US" smtClean="0"/>
-              <a:t>2018-04-22</a:t>
+              <a:t>2018-04-23</a:t>
             </a:fld>
             <a:endParaRPr lang="ko-KR" altLang="en-US"/>
           </a:p>
@@ -2284,7 +2284,7 @@
           <a:p>
             <a:fld id="{D645E4BF-E721-4D11-9F73-F366910C3461}" type="datetimeFigureOut">
               <a:rPr lang="ko-KR" altLang="en-US" smtClean="0"/>
-              <a:t>2018-04-22</a:t>
+              <a:t>2018-04-23</a:t>
             </a:fld>
             <a:endParaRPr lang="ko-KR" altLang="en-US"/>
           </a:p>
@@ -2638,7 +2638,7 @@
           <a:p>
             <a:fld id="{D645E4BF-E721-4D11-9F73-F366910C3461}" type="datetimeFigureOut">
               <a:rPr lang="ko-KR" altLang="en-US" smtClean="0"/>
-              <a:t>2018-04-22</a:t>
+              <a:t>2018-04-23</a:t>
             </a:fld>
             <a:endParaRPr lang="ko-KR" altLang="en-US"/>
           </a:p>
@@ -3020,7 +3020,7 @@
           <a:p>
             <a:fld id="{D645E4BF-E721-4D11-9F73-F366910C3461}" type="datetimeFigureOut">
               <a:rPr lang="ko-KR" altLang="en-US" smtClean="0"/>
-              <a:t>2018-04-22</a:t>
+              <a:t>2018-04-23</a:t>
             </a:fld>
             <a:endParaRPr lang="ko-KR" altLang="en-US"/>
           </a:p>
@@ -3307,7 +3307,7 @@
           <a:p>
             <a:fld id="{D645E4BF-E721-4D11-9F73-F366910C3461}" type="datetimeFigureOut">
               <a:rPr lang="ko-KR" altLang="en-US" smtClean="0"/>
-              <a:t>2018-04-22</a:t>
+              <a:t>2018-04-23</a:t>
             </a:fld>
             <a:endParaRPr lang="ko-KR" altLang="en-US"/>
           </a:p>
@@ -5478,6 +5478,30 @@
           </p:sp>
         </mc:Fallback>
       </mc:AlternateContent>
+      <p:pic>
+        <p:nvPicPr>
+          <p:cNvPr id="3" name="그림 2"/>
+          <p:cNvPicPr>
+            <a:picLocks noChangeAspect="1"/>
+          </p:cNvPicPr>
+          <p:nvPr/>
+        </p:nvPicPr>
+        <p:blipFill>
+          <a:blip r:embed="rId3"/>
+          <a:stretch>
+            <a:fillRect/>
+          </a:stretch>
+        </p:blipFill>
+        <p:spPr>
+          <a:xfrm>
+            <a:off x="1097280" y="2687792"/>
+            <a:ext cx="6162675" cy="2790825"/>
+          </a:xfrm>
+          <a:prstGeom prst="rect">
+            <a:avLst/>
+          </a:prstGeom>
+        </p:spPr>
+      </p:pic>
     </p:spTree>
     <p:extLst>
       <p:ext uri="{BB962C8B-B14F-4D97-AF65-F5344CB8AC3E}">

--- a/ppt/Regression.pptx
+++ b/ppt/Regression.pptx
@@ -6734,7 +6734,7 @@
         </p:blipFill>
         <p:spPr>
           <a:xfrm>
-            <a:off x="5936229" y="1845734"/>
+            <a:off x="5920926" y="1845734"/>
             <a:ext cx="2548203" cy="4116328"/>
           </a:xfrm>
           <a:prstGeom prst="rect">
@@ -6758,7 +6758,7 @@
         </p:blipFill>
         <p:spPr>
           <a:xfrm>
-            <a:off x="8638706" y="1855259"/>
+            <a:off x="8629375" y="1845734"/>
             <a:ext cx="2686551" cy="4013835"/>
           </a:xfrm>
           <a:prstGeom prst="rect">
@@ -6766,6 +6766,294 @@
           </a:prstGeom>
         </p:spPr>
       </p:pic>
+      <p:sp>
+        <p:nvSpPr>
+          <p:cNvPr id="6" name="직사각형 5"/>
+          <p:cNvSpPr/>
+          <p:nvPr/>
+        </p:nvSpPr>
+        <p:spPr>
+          <a:xfrm>
+            <a:off x="7152894" y="2118049"/>
+            <a:ext cx="914400" cy="774441"/>
+          </a:xfrm>
+          <a:prstGeom prst="rect">
+            <a:avLst/>
+          </a:prstGeom>
+          <a:solidFill>
+            <a:schemeClr val="bg1"/>
+          </a:solidFill>
+          <a:ln>
+            <a:solidFill>
+              <a:schemeClr val="bg1"/>
+            </a:solidFill>
+          </a:ln>
+        </p:spPr>
+        <p:style>
+          <a:lnRef idx="2">
+            <a:schemeClr val="accent1">
+              <a:shade val="50000"/>
+            </a:schemeClr>
+          </a:lnRef>
+          <a:fillRef idx="1">
+            <a:schemeClr val="accent1"/>
+          </a:fillRef>
+          <a:effectRef idx="0">
+            <a:schemeClr val="accent1"/>
+          </a:effectRef>
+          <a:fontRef idx="minor">
+            <a:schemeClr val="lt1"/>
+          </a:fontRef>
+        </p:style>
+        <p:txBody>
+          <a:bodyPr rtlCol="0" anchor="ctr"/>
+          <a:lstStyle/>
+          <a:p>
+            <a:pPr algn="ctr"/>
+            <a:r>
+              <a:rPr lang="en-US" altLang="ko-KR" dirty="0" smtClean="0"/>
+              <a:t>Y = </a:t>
+            </a:r>
+            <a:endParaRPr lang="ko-KR" altLang="en-US" dirty="0"/>
+          </a:p>
+        </p:txBody>
+      </p:sp>
+      <p:sp>
+        <p:nvSpPr>
+          <p:cNvPr id="8" name="직사각형 7"/>
+          <p:cNvSpPr/>
+          <p:nvPr/>
+        </p:nvSpPr>
+        <p:spPr>
+          <a:xfrm>
+            <a:off x="10303727" y="2001416"/>
+            <a:ext cx="932076" cy="891074"/>
+          </a:xfrm>
+          <a:prstGeom prst="rect">
+            <a:avLst/>
+          </a:prstGeom>
+          <a:solidFill>
+            <a:schemeClr val="bg1"/>
+          </a:solidFill>
+          <a:ln>
+            <a:solidFill>
+              <a:schemeClr val="bg1"/>
+            </a:solidFill>
+          </a:ln>
+        </p:spPr>
+        <p:style>
+          <a:lnRef idx="2">
+            <a:schemeClr val="accent1">
+              <a:shade val="50000"/>
+            </a:schemeClr>
+          </a:lnRef>
+          <a:fillRef idx="1">
+            <a:schemeClr val="accent1"/>
+          </a:fillRef>
+          <a:effectRef idx="0">
+            <a:schemeClr val="accent1"/>
+          </a:effectRef>
+          <a:fontRef idx="minor">
+            <a:schemeClr val="lt1"/>
+          </a:fontRef>
+        </p:style>
+        <p:txBody>
+          <a:bodyPr rtlCol="0" anchor="ctr"/>
+          <a:lstStyle/>
+          <a:p>
+            <a:pPr algn="ctr"/>
+            <a:endParaRPr lang="ko-KR" altLang="en-US"/>
+          </a:p>
+        </p:txBody>
+      </p:sp>
+      <mc:AlternateContent xmlns:mc="http://schemas.openxmlformats.org/markup-compatibility/2006">
+        <mc:Choice xmlns:a14="http://schemas.microsoft.com/office/drawing/2010/main" Requires="a14">
+          <p:sp>
+            <p:nvSpPr>
+              <p:cNvPr id="7" name="TextBox 6"/>
+              <p:cNvSpPr txBox="1"/>
+              <p:nvPr/>
+            </p:nvSpPr>
+            <p:spPr>
+              <a:xfrm>
+                <a:off x="8285683" y="2028383"/>
+                <a:ext cx="1025089" cy="282193"/>
+              </a:xfrm>
+              <a:prstGeom prst="rect">
+                <a:avLst/>
+              </a:prstGeom>
+              <a:noFill/>
+            </p:spPr>
+            <p:txBody>
+              <a:bodyPr wrap="none" lIns="0" tIns="0" rIns="0" bIns="0" rtlCol="0">
+                <a:spAutoFit/>
+              </a:bodyPr>
+              <a:lstStyle/>
+              <a:p>
+                <a14:m>
+                  <m:oMath xmlns:m="http://schemas.openxmlformats.org/officeDocument/2006/math">
+                    <m:r>
+                      <a:rPr lang="en-US" altLang="ko-KR" b="0" i="1" smtClean="0">
+                        <a:latin typeface="Cambria Math" panose="02040503050406030204" pitchFamily="18" charset="0"/>
+                      </a:rPr>
+                      <m:t>𝑦</m:t>
+                    </m:r>
+                    <m:r>
+                      <a:rPr lang="en-US" altLang="ko-KR" b="0" i="1" smtClean="0">
+                        <a:latin typeface="Cambria Math" panose="02040503050406030204" pitchFamily="18" charset="0"/>
+                      </a:rPr>
+                      <m:t>=0</m:t>
+                    </m:r>
+                    <m:r>
+                      <a:rPr lang="ko-KR" altLang="en-US" i="1">
+                        <a:latin typeface="Cambria Math" panose="02040503050406030204" pitchFamily="18" charset="0"/>
+                      </a:rPr>
+                      <m:t>일</m:t>
+                    </m:r>
+                  </m:oMath>
+                </a14:m>
+                <a:r>
+                  <a:rPr lang="ko-KR" altLang="en-US" dirty="0" smtClean="0"/>
+                  <a:t>떄</a:t>
+                </a:r>
+                <a:endParaRPr lang="ko-KR" altLang="en-US" dirty="0"/>
+              </a:p>
+            </p:txBody>
+          </p:sp>
+        </mc:Choice>
+        <mc:Fallback>
+          <p:sp>
+            <p:nvSpPr>
+              <p:cNvPr id="7" name="TextBox 6"/>
+              <p:cNvSpPr txBox="1">
+                <a:spLocks noRot="1" noChangeAspect="1" noMove="1" noResize="1" noEditPoints="1" noAdjustHandles="1" noChangeArrowheads="1" noChangeShapeType="1" noTextEdit="1"/>
+              </p:cNvSpPr>
+              <p:nvPr/>
+            </p:nvSpPr>
+            <p:spPr>
+              <a:xfrm>
+                <a:off x="8285683" y="2028383"/>
+                <a:ext cx="1025089" cy="282193"/>
+              </a:xfrm>
+              <a:prstGeom prst="rect">
+                <a:avLst/>
+              </a:prstGeom>
+              <a:blipFill>
+                <a:blip r:embed="rId5"/>
+                <a:stretch>
+                  <a:fillRect l="-8333" t="-30435" r="-13690" b="-45652"/>
+                </a:stretch>
+              </a:blipFill>
+            </p:spPr>
+            <p:txBody>
+              <a:bodyPr/>
+              <a:lstStyle/>
+              <a:p>
+                <a:r>
+                  <a:rPr lang="ko-KR" altLang="en-US">
+                    <a:noFill/>
+                  </a:rPr>
+                  <a:t> </a:t>
+                </a:r>
+              </a:p>
+            </p:txBody>
+          </p:sp>
+        </mc:Fallback>
+      </mc:AlternateContent>
+      <mc:AlternateContent xmlns:mc="http://schemas.openxmlformats.org/markup-compatibility/2006">
+        <mc:Choice xmlns:a14="http://schemas.microsoft.com/office/drawing/2010/main" Requires="a14">
+          <p:sp>
+            <p:nvSpPr>
+              <p:cNvPr id="10" name="TextBox 9"/>
+              <p:cNvSpPr txBox="1"/>
+              <p:nvPr/>
+            </p:nvSpPr>
+            <p:spPr>
+              <a:xfrm>
+                <a:off x="5920926" y="2028383"/>
+                <a:ext cx="1025089" cy="282193"/>
+              </a:xfrm>
+              <a:prstGeom prst="rect">
+                <a:avLst/>
+              </a:prstGeom>
+              <a:noFill/>
+            </p:spPr>
+            <p:txBody>
+              <a:bodyPr wrap="none" lIns="0" tIns="0" rIns="0" bIns="0" rtlCol="0">
+                <a:spAutoFit/>
+              </a:bodyPr>
+              <a:lstStyle/>
+              <a:p>
+                <a14:m>
+                  <m:oMath xmlns:m="http://schemas.openxmlformats.org/officeDocument/2006/math">
+                    <m:r>
+                      <a:rPr lang="en-US" altLang="ko-KR" b="0" i="1" smtClean="0">
+                        <a:latin typeface="Cambria Math" panose="02040503050406030204" pitchFamily="18" charset="0"/>
+                      </a:rPr>
+                      <m:t>𝑦</m:t>
+                    </m:r>
+                    <m:r>
+                      <a:rPr lang="en-US" altLang="ko-KR" b="0" i="1" smtClean="0">
+                        <a:latin typeface="Cambria Math" panose="02040503050406030204" pitchFamily="18" charset="0"/>
+                      </a:rPr>
+                      <m:t>=1</m:t>
+                    </m:r>
+                    <m:r>
+                      <a:rPr lang="ko-KR" altLang="en-US" i="1">
+                        <a:latin typeface="Cambria Math" panose="02040503050406030204" pitchFamily="18" charset="0"/>
+                      </a:rPr>
+                      <m:t>일</m:t>
+                    </m:r>
+                  </m:oMath>
+                </a14:m>
+                <a:r>
+                  <a:rPr lang="ko-KR" altLang="en-US" dirty="0" smtClean="0"/>
+                  <a:t>떄</a:t>
+                </a:r>
+                <a:endParaRPr lang="ko-KR" altLang="en-US" dirty="0"/>
+              </a:p>
+            </p:txBody>
+          </p:sp>
+        </mc:Choice>
+        <mc:Fallback>
+          <p:sp>
+            <p:nvSpPr>
+              <p:cNvPr id="10" name="TextBox 9"/>
+              <p:cNvSpPr txBox="1">
+                <a:spLocks noRot="1" noChangeAspect="1" noMove="1" noResize="1" noEditPoints="1" noAdjustHandles="1" noChangeArrowheads="1" noChangeShapeType="1" noTextEdit="1"/>
+              </p:cNvSpPr>
+              <p:nvPr/>
+            </p:nvSpPr>
+            <p:spPr>
+              <a:xfrm>
+                <a:off x="5920926" y="2028383"/>
+                <a:ext cx="1025089" cy="282193"/>
+              </a:xfrm>
+              <a:prstGeom prst="rect">
+                <a:avLst/>
+              </a:prstGeom>
+              <a:blipFill>
+                <a:blip r:embed="rId6"/>
+                <a:stretch>
+                  <a:fillRect l="-8333" t="-30435" r="-13690" b="-45652"/>
+                </a:stretch>
+              </a:blipFill>
+            </p:spPr>
+            <p:txBody>
+              <a:bodyPr/>
+              <a:lstStyle/>
+              <a:p>
+                <a:r>
+                  <a:rPr lang="ko-KR" altLang="en-US">
+                    <a:noFill/>
+                  </a:rPr>
+                  <a:t> </a:t>
+                </a:r>
+              </a:p>
+            </p:txBody>
+          </p:sp>
+        </mc:Fallback>
+      </mc:AlternateContent>
     </p:spTree>
     <p:extLst>
       <p:ext uri="{BB962C8B-B14F-4D97-AF65-F5344CB8AC3E}">

--- a/ppt/Regression.pptx
+++ b/ppt/Regression.pptx
@@ -6866,8 +6866,8 @@
           </a:p>
         </p:txBody>
       </p:sp>
-      <mc:AlternateContent xmlns:mc="http://schemas.openxmlformats.org/markup-compatibility/2006">
-        <mc:Choice xmlns:a14="http://schemas.microsoft.com/office/drawing/2010/main" Requires="a14">
+      <mc:AlternateContent xmlns:mc="http://schemas.openxmlformats.org/markup-compatibility/2006" xmlns:a14="http://schemas.microsoft.com/office/drawing/2010/main">
+        <mc:Choice Requires="a14">
           <p:sp>
             <p:nvSpPr>
               <p:cNvPr id="7" name="TextBox 6"/>
@@ -6921,7 +6921,7 @@
             </p:txBody>
           </p:sp>
         </mc:Choice>
-        <mc:Fallback>
+        <mc:Fallback xmlns="">
           <p:sp>
             <p:nvSpPr>
               <p:cNvPr id="7" name="TextBox 6"/>
@@ -6960,8 +6960,8 @@
           </p:sp>
         </mc:Fallback>
       </mc:AlternateContent>
-      <mc:AlternateContent xmlns:mc="http://schemas.openxmlformats.org/markup-compatibility/2006">
-        <mc:Choice xmlns:a14="http://schemas.microsoft.com/office/drawing/2010/main" Requires="a14">
+      <mc:AlternateContent xmlns:mc="http://schemas.openxmlformats.org/markup-compatibility/2006" xmlns:a14="http://schemas.microsoft.com/office/drawing/2010/main">
+        <mc:Choice Requires="a14">
           <p:sp>
             <p:nvSpPr>
               <p:cNvPr id="10" name="TextBox 9"/>
@@ -7015,7 +7015,7 @@
             </p:txBody>
           </p:sp>
         </mc:Choice>
-        <mc:Fallback>
+        <mc:Fallback xmlns="">
           <p:sp>
             <p:nvSpPr>
               <p:cNvPr id="10" name="TextBox 9"/>
@@ -8331,8 +8331,8 @@
           </a:p>
         </p:txBody>
       </p:sp>
-      <mc:AlternateContent xmlns:mc="http://schemas.openxmlformats.org/markup-compatibility/2006" xmlns:a14="http://schemas.microsoft.com/office/drawing/2010/main">
-        <mc:Choice Requires="a14">
+      <mc:AlternateContent xmlns:mc="http://schemas.openxmlformats.org/markup-compatibility/2006">
+        <mc:Choice xmlns:a14="http://schemas.microsoft.com/office/drawing/2010/main" Requires="a14">
           <p:sp>
             <p:nvSpPr>
               <p:cNvPr id="13" name="내용 개체 틀 12"/>
@@ -8353,7 +8353,11 @@
                 </a:pPr>
                 <a:r>
                   <a:rPr lang="en-US" altLang="ko-KR" dirty="0" smtClean="0"/>
-                  <a:t> Distance(</a:t>
+                  <a:t> </a:t>
+                </a:r>
+                <a:r>
+                  <a:rPr lang="en-US" altLang="ko-KR" dirty="0" smtClean="0"/>
+                  <a:t>Difference(</a:t>
                 </a:r>
                 <a14:m>
                   <m:oMath xmlns:m="http://schemas.openxmlformats.org/officeDocument/2006/math">
@@ -8522,12 +8526,20 @@
                   <a:buNone/>
                 </a:pPr>
                 <a:r>
-                  <a:rPr lang="en-US" altLang="ko-KR" dirty="0" smtClean="0"/>
-                  <a:t> Distance</a:t>
+                  <a:rPr lang="en-US" altLang="ko-KR" smtClean="0"/>
+                  <a:t> </a:t>
+                </a:r>
+                <a:r>
+                  <a:rPr lang="en-US" altLang="ko-KR" smtClean="0"/>
+                  <a:t>Difference</a:t>
+                </a:r>
+                <a:r>
+                  <a:rPr lang="ko-KR" altLang="en-US" smtClean="0"/>
+                  <a:t>를 </a:t>
                 </a:r>
                 <a:r>
                   <a:rPr lang="ko-KR" altLang="en-US" dirty="0" smtClean="0"/>
-                  <a:t>를 그대로 사용하기엔 불편</a:t>
+                  <a:t>그대로 사용하기엔 불편</a:t>
                 </a:r>
                 <a:endParaRPr lang="en-US" altLang="ko-KR" dirty="0" smtClean="0"/>
               </a:p>
@@ -8551,7 +8563,7 @@
             </p:txBody>
           </p:sp>
         </mc:Choice>
-        <mc:Fallback xmlns="">
+        <mc:Fallback>
           <p:sp>
             <p:nvSpPr>
               <p:cNvPr id="13" name="내용 개체 틀 12"/>
@@ -8563,7 +8575,7 @@
               </p:nvPr>
             </p:nvSpPr>
             <p:spPr>
-              <a:blipFill rotWithShape="0">
+              <a:blipFill>
                 <a:blip r:embed="rId2"/>
                 <a:stretch>
                   <a:fillRect l="-970" t="-1970"/>

--- a/ppt/Regression.pptx
+++ b/ppt/Regression.pptx
@@ -12,7 +12,7 @@
     <p:sldId id="260" r:id="rId6"/>
     <p:sldId id="261" r:id="rId7"/>
     <p:sldId id="263" r:id="rId8"/>
-    <p:sldId id="264" r:id="rId9"/>
+    <p:sldId id="284" r:id="rId9"/>
     <p:sldId id="262" r:id="rId10"/>
     <p:sldId id="266" r:id="rId11"/>
     <p:sldId id="265" r:id="rId12"/>
@@ -8331,8 +8331,8 @@
           </a:p>
         </p:txBody>
       </p:sp>
-      <mc:AlternateContent xmlns:mc="http://schemas.openxmlformats.org/markup-compatibility/2006">
-        <mc:Choice xmlns:a14="http://schemas.microsoft.com/office/drawing/2010/main" Requires="a14">
+      <mc:AlternateContent xmlns:mc="http://schemas.openxmlformats.org/markup-compatibility/2006" xmlns:a14="http://schemas.microsoft.com/office/drawing/2010/main">
+        <mc:Choice Requires="a14">
           <p:sp>
             <p:nvSpPr>
               <p:cNvPr id="13" name="내용 개체 틀 12"/>
@@ -8353,11 +8353,7 @@
                 </a:pPr>
                 <a:r>
                   <a:rPr lang="en-US" altLang="ko-KR" dirty="0" smtClean="0"/>
-                  <a:t> </a:t>
-                </a:r>
-                <a:r>
-                  <a:rPr lang="en-US" altLang="ko-KR" dirty="0" smtClean="0"/>
-                  <a:t>Difference(</a:t>
+                  <a:t> Difference(</a:t>
                 </a:r>
                 <a14:m>
                   <m:oMath xmlns:m="http://schemas.openxmlformats.org/officeDocument/2006/math">
@@ -8527,11 +8523,7 @@
                 </a:pPr>
                 <a:r>
                   <a:rPr lang="en-US" altLang="ko-KR" smtClean="0"/>
-                  <a:t> </a:t>
-                </a:r>
-                <a:r>
-                  <a:rPr lang="en-US" altLang="ko-KR" smtClean="0"/>
-                  <a:t>Difference</a:t>
+                  <a:t> Difference</a:t>
                 </a:r>
                 <a:r>
                   <a:rPr lang="ko-KR" altLang="en-US" smtClean="0"/>
@@ -8563,7 +8555,7 @@
             </p:txBody>
           </p:sp>
         </mc:Choice>
-        <mc:Fallback>
+        <mc:Fallback xmlns="">
           <p:sp>
             <p:nvSpPr>
               <p:cNvPr id="13" name="내용 개체 틀 12"/>
@@ -8964,58 +8956,23 @@
               </a:spcBef>
             </a:pPr>
             <a:r>
+              <a:rPr lang="en-US" altLang="ko-KR" sz="3600" b="1" dirty="0" smtClean="0"/>
+              <a:t>Gradient descent algorithm </a:t>
+            </a:r>
+            <a:r>
               <a:rPr lang="en-US" altLang="ko-KR" sz="3400" b="1" dirty="0" smtClean="0"/>
-              <a:t>Linear Regression</a:t>
+              <a:t/>
             </a:r>
             <a:br>
               <a:rPr lang="en-US" altLang="ko-KR" sz="3400" b="1" dirty="0" smtClean="0"/>
             </a:br>
-            <a:endParaRPr lang="ko-KR" altLang="en-US" dirty="0"/>
-          </a:p>
-        </p:txBody>
-      </p:sp>
-      <p:sp>
-        <p:nvSpPr>
-          <p:cNvPr id="13" name="내용 개체 틀 12"/>
-          <p:cNvSpPr>
-            <a:spLocks noGrp="1"/>
-          </p:cNvSpPr>
-          <p:nvPr>
-            <p:ph idx="1"/>
-          </p:nvPr>
-        </p:nvSpPr>
-        <p:spPr/>
-        <p:txBody>
-          <a:bodyPr/>
-          <a:lstStyle/>
-          <a:p>
-            <a:pPr marL="0" indent="0">
-              <a:buNone/>
-            </a:pPr>
-            <a:r>
-              <a:rPr lang="en-US" altLang="ko-KR" dirty="0" smtClean="0"/>
-              <a:t>  Gradient </a:t>
-            </a:r>
-            <a:r>
-              <a:rPr lang="en-US" altLang="ko-KR" dirty="0"/>
-              <a:t>descent </a:t>
-            </a:r>
-            <a:r>
-              <a:rPr lang="en-US" altLang="ko-KR" dirty="0" smtClean="0"/>
-              <a:t>algorithm </a:t>
-            </a:r>
-          </a:p>
-          <a:p>
-            <a:pPr marL="0" indent="0">
-              <a:buNone/>
-            </a:pPr>
-            <a:endParaRPr lang="en-US" altLang="ko-KR" dirty="0"/>
+            <a:endParaRPr lang="ko-KR" altLang="en-US" b="1" dirty="0"/>
           </a:p>
         </p:txBody>
       </p:sp>
       <p:pic>
         <p:nvPicPr>
-          <p:cNvPr id="3" name="그림 2"/>
+          <p:cNvPr id="6" name="그림 5"/>
           <p:cNvPicPr>
             <a:picLocks noChangeAspect="1"/>
           </p:cNvPicPr>
@@ -9029,8 +8986,34 @@
         </p:blipFill>
         <p:spPr>
           <a:xfrm>
-            <a:off x="5269080" y="1845734"/>
-            <a:ext cx="5877075" cy="4416170"/>
+            <a:off x="1182788" y="2990340"/>
+            <a:ext cx="3944797" cy="1074846"/>
+          </a:xfrm>
+          <a:prstGeom prst="rect">
+            <a:avLst/>
+          </a:prstGeom>
+        </p:spPr>
+      </p:pic>
+      <p:pic>
+        <p:nvPicPr>
+          <p:cNvPr id="7" name="내용 개체 틀 6"/>
+          <p:cNvPicPr>
+            <a:picLocks noGrp="1" noChangeAspect="1"/>
+          </p:cNvPicPr>
+          <p:nvPr>
+            <p:ph idx="1"/>
+          </p:nvPr>
+        </p:nvPicPr>
+        <p:blipFill>
+          <a:blip r:embed="rId3"/>
+          <a:stretch>
+            <a:fillRect/>
+          </a:stretch>
+        </p:blipFill>
+        <p:spPr>
+          <a:xfrm>
+            <a:off x="6136005" y="1890652"/>
+            <a:ext cx="5019675" cy="3771900"/>
           </a:xfrm>
           <a:prstGeom prst="rect">
             <a:avLst/>
@@ -9040,7 +9023,7 @@
     </p:spTree>
     <p:extLst>
       <p:ext uri="{BB962C8B-B14F-4D97-AF65-F5344CB8AC3E}">
-        <p14:creationId xmlns:p14="http://schemas.microsoft.com/office/powerpoint/2010/main" val="2422169498"/>
+        <p14:creationId xmlns:p14="http://schemas.microsoft.com/office/powerpoint/2010/main" val="3693259319"/>
       </p:ext>
     </p:extLst>
   </p:cSld>

--- a/ppt/Regression.pptx
+++ b/ppt/Regression.pptx
@@ -3921,7 +3921,9 @@
         </p:nvSpPr>
         <p:spPr/>
         <p:txBody>
-          <a:bodyPr/>
+          <a:bodyPr>
+            <a:normAutofit/>
+          </a:bodyPr>
           <a:lstStyle/>
           <a:p>
             <a:pPr lvl="1" algn="l" rtl="0" latinLnBrk="1">
@@ -3933,13 +3935,13 @@
               </a:spcBef>
             </a:pPr>
             <a:r>
-              <a:rPr lang="en-US" altLang="ko-KR" sz="3400" b="1" dirty="0" smtClean="0"/>
-              <a:t>Linear Regression</a:t>
+              <a:rPr lang="en-US" altLang="ko-KR" sz="3600" b="1" dirty="0" smtClean="0"/>
+              <a:t>Gradient descent algorithm </a:t>
             </a:r>
             <a:br>
-              <a:rPr lang="en-US" altLang="ko-KR" sz="3400" b="1" dirty="0" smtClean="0"/>
+              <a:rPr lang="en-US" altLang="ko-KR" sz="3600" b="1" dirty="0" smtClean="0"/>
             </a:br>
-            <a:endParaRPr lang="ko-KR" altLang="en-US" dirty="0"/>
+            <a:endParaRPr lang="ko-KR" altLang="en-US" sz="2000" dirty="0"/>
           </a:p>
         </p:txBody>
       </p:sp>
@@ -4118,11 +4120,11 @@
               </a:spcBef>
             </a:pPr>
             <a:r>
-              <a:rPr lang="en-US" altLang="ko-KR" sz="3400" b="1" dirty="0" smtClean="0"/>
-              <a:t>Linear Regression</a:t>
+              <a:rPr lang="en-US" altLang="ko-KR" sz="3200" b="1" dirty="0" smtClean="0"/>
+              <a:t>Gradient descent algorithm </a:t>
             </a:r>
             <a:br>
-              <a:rPr lang="en-US" altLang="ko-KR" sz="3400" b="1" dirty="0" smtClean="0"/>
+              <a:rPr lang="en-US" altLang="ko-KR" sz="3200" b="1" dirty="0" smtClean="0"/>
             </a:br>
             <a:endParaRPr lang="ko-KR" altLang="en-US" dirty="0"/>
           </a:p>
@@ -4220,7 +4222,9 @@
         </p:nvSpPr>
         <p:spPr/>
         <p:txBody>
-          <a:bodyPr/>
+          <a:bodyPr>
+            <a:normAutofit/>
+          </a:bodyPr>
           <a:lstStyle/>
           <a:p>
             <a:pPr lvl="1" algn="l" rtl="0" latinLnBrk="1">
@@ -4235,12 +4239,8 @@
               <a:rPr lang="en-US" altLang="ko-KR" sz="3600" b="1" dirty="0" smtClean="0"/>
               <a:t>Gradient descent algorithm </a:t>
             </a:r>
-            <a:r>
-              <a:rPr lang="en-US" altLang="ko-KR" sz="3400" b="1" dirty="0" smtClean="0"/>
-              <a:t/>
-            </a:r>
             <a:br>
-              <a:rPr lang="en-US" altLang="ko-KR" sz="3400" b="1" dirty="0" smtClean="0"/>
+              <a:rPr lang="en-US" altLang="ko-KR" sz="3600" b="1" dirty="0" smtClean="0"/>
             </a:br>
             <a:endParaRPr lang="ko-KR" altLang="en-US" b="1" dirty="0"/>
           </a:p>
@@ -4502,7 +4502,7 @@
             </a:pPr>
             <a:r>
               <a:rPr lang="en-US" altLang="ko-KR" sz="3600" b="1" dirty="0" smtClean="0"/>
-              <a:t>Logistic Regression</a:t>
+              <a:t>Gradient descent algorithm </a:t>
             </a:r>
             <a:r>
               <a:rPr lang="en-US" altLang="ko-KR" sz="3400" b="1" dirty="0" smtClean="0"/>
@@ -8944,7 +8944,9 @@
         </p:nvSpPr>
         <p:spPr/>
         <p:txBody>
-          <a:bodyPr/>
+          <a:bodyPr>
+            <a:normAutofit/>
+          </a:bodyPr>
           <a:lstStyle/>
           <a:p>
             <a:pPr lvl="1" algn="l" rtl="0" latinLnBrk="1">
@@ -8959,12 +8961,8 @@
               <a:rPr lang="en-US" altLang="ko-KR" sz="3600" b="1" dirty="0" smtClean="0"/>
               <a:t>Gradient descent algorithm </a:t>
             </a:r>
-            <a:r>
-              <a:rPr lang="en-US" altLang="ko-KR" sz="3400" b="1" dirty="0" smtClean="0"/>
-              <a:t/>
-            </a:r>
             <a:br>
-              <a:rPr lang="en-US" altLang="ko-KR" sz="3400" b="1" dirty="0" smtClean="0"/>
+              <a:rPr lang="en-US" altLang="ko-KR" sz="3600" b="1" dirty="0" smtClean="0"/>
             </a:br>
             <a:endParaRPr lang="ko-KR" altLang="en-US" b="1" dirty="0"/>
           </a:p>
@@ -9069,7 +9067,9 @@
         </p:nvSpPr>
         <p:spPr/>
         <p:txBody>
-          <a:bodyPr/>
+          <a:bodyPr>
+            <a:normAutofit/>
+          </a:bodyPr>
           <a:lstStyle/>
           <a:p>
             <a:pPr lvl="1" algn="l" rtl="0" latinLnBrk="1">
@@ -9081,13 +9081,13 @@
               </a:spcBef>
             </a:pPr>
             <a:r>
-              <a:rPr lang="en-US" altLang="ko-KR" sz="3400" b="1" dirty="0" smtClean="0"/>
-              <a:t>Linear Regression</a:t>
+              <a:rPr lang="en-US" altLang="ko-KR" sz="3600" b="1" dirty="0" smtClean="0"/>
+              <a:t>Gradient descent algorithm </a:t>
             </a:r>
             <a:br>
-              <a:rPr lang="en-US" altLang="ko-KR" sz="3400" b="1" dirty="0" smtClean="0"/>
+              <a:rPr lang="en-US" altLang="ko-KR" sz="3600" b="1" dirty="0" smtClean="0"/>
             </a:br>
-            <a:endParaRPr lang="ko-KR" altLang="en-US" dirty="0"/>
+            <a:endParaRPr lang="ko-KR" altLang="en-US" sz="2000" dirty="0"/>
           </a:p>
         </p:txBody>
       </p:sp>

--- a/ppt/Regression.pptx
+++ b/ppt/Regression.pptx
@@ -4501,15 +4501,15 @@
               </a:spcBef>
             </a:pPr>
             <a:r>
-              <a:rPr lang="en-US" altLang="ko-KR" sz="3600" b="1" dirty="0" smtClean="0"/>
-              <a:t>Gradient descent algorithm </a:t>
-            </a:r>
-            <a:r>
-              <a:rPr lang="en-US" altLang="ko-KR" sz="3400" b="1" dirty="0" smtClean="0"/>
+              <a:rPr lang="en-US" altLang="ko-KR" sz="3600" b="1" smtClean="0"/>
+              <a:t>Logistic Regression</a:t>
+            </a:r>
+            <a:r>
+              <a:rPr lang="en-US" altLang="ko-KR" sz="3400" b="1" smtClean="0"/>
               <a:t/>
             </a:r>
             <a:br>
-              <a:rPr lang="en-US" altLang="ko-KR" sz="3400" b="1" dirty="0" smtClean="0"/>
+              <a:rPr lang="en-US" altLang="ko-KR" sz="3400" b="1" smtClean="0"/>
             </a:br>
             <a:endParaRPr lang="ko-KR" altLang="en-US" b="1" dirty="0"/>
           </a:p>
